--- a/trunk/Sub Comander.pptx
+++ b/trunk/Sub Comander.pptx
@@ -4,13 +4,16 @@
   <p:sldMasterIdLst>
     <p:sldMasterId id="2147483660" r:id="rId1"/>
   </p:sldMasterIdLst>
+  <p:notesMasterIdLst>
+    <p:notesMasterId r:id="rId8"/>
+  </p:notesMasterIdLst>
   <p:sldIdLst>
     <p:sldId id="256" r:id="rId2"/>
     <p:sldId id="258" r:id="rId3"/>
-    <p:sldId id="257" r:id="rId4"/>
-    <p:sldId id="259" r:id="rId5"/>
-    <p:sldId id="261" r:id="rId6"/>
-    <p:sldId id="260" r:id="rId7"/>
+    <p:sldId id="259" r:id="rId4"/>
+    <p:sldId id="264" r:id="rId5"/>
+    <p:sldId id="263" r:id="rId6"/>
+    <p:sldId id="261" r:id="rId7"/>
   </p:sldIdLst>
   <p:sldSz cx="9144000" cy="6858000" type="screen4x3"/>
   <p:notesSz cx="6858000" cy="9144000"/>
@@ -112,6 +115,885 @@
 </p:presentation>
 </file>
 
+<file path=ppt/notesMasters/notesMaster1.xml><?xml version="1.0" encoding="utf-8"?>
+<p:notesMaster xmlns:a="http://schemas.openxmlformats.org/drawingml/2006/main" xmlns:r="http://schemas.openxmlformats.org/officeDocument/2006/relationships" xmlns:p="http://schemas.openxmlformats.org/presentationml/2006/main">
+  <p:cSld>
+    <p:bg>
+      <p:bgRef idx="1001">
+        <a:schemeClr val="bg1"/>
+      </p:bgRef>
+    </p:bg>
+    <p:spTree>
+      <p:nvGrpSpPr>
+        <p:cNvPr id="1" name=""/>
+        <p:cNvGrpSpPr/>
+        <p:nvPr/>
+      </p:nvGrpSpPr>
+      <p:grpSpPr>
+        <a:xfrm>
+          <a:off x="0" y="0"/>
+          <a:ext cx="0" cy="0"/>
+          <a:chOff x="0" y="0"/>
+          <a:chExt cx="0" cy="0"/>
+        </a:xfrm>
+      </p:grpSpPr>
+      <p:sp>
+        <p:nvSpPr>
+          <p:cNvPr id="2" name="Header Placeholder 1"/>
+          <p:cNvSpPr>
+            <a:spLocks noGrp="1"/>
+          </p:cNvSpPr>
+          <p:nvPr>
+            <p:ph type="hdr" sz="quarter"/>
+          </p:nvPr>
+        </p:nvSpPr>
+        <p:spPr>
+          <a:xfrm>
+            <a:off x="0" y="0"/>
+            <a:ext cx="2971800" cy="457200"/>
+          </a:xfrm>
+          <a:prstGeom prst="rect">
+            <a:avLst/>
+          </a:prstGeom>
+        </p:spPr>
+        <p:txBody>
+          <a:bodyPr vert="horz" lIns="91440" tIns="45720" rIns="91440" bIns="45720" rtlCol="0"/>
+          <a:lstStyle>
+            <a:lvl1pPr algn="l">
+              <a:defRPr sz="1200"/>
+            </a:lvl1pPr>
+          </a:lstStyle>
+          <a:p>
+            <a:endParaRPr lang="en-US"/>
+          </a:p>
+        </p:txBody>
+      </p:sp>
+      <p:sp>
+        <p:nvSpPr>
+          <p:cNvPr id="3" name="Date Placeholder 2"/>
+          <p:cNvSpPr>
+            <a:spLocks noGrp="1"/>
+          </p:cNvSpPr>
+          <p:nvPr>
+            <p:ph type="dt" idx="1"/>
+          </p:nvPr>
+        </p:nvSpPr>
+        <p:spPr>
+          <a:xfrm>
+            <a:off x="3884613" y="0"/>
+            <a:ext cx="2971800" cy="457200"/>
+          </a:xfrm>
+          <a:prstGeom prst="rect">
+            <a:avLst/>
+          </a:prstGeom>
+        </p:spPr>
+        <p:txBody>
+          <a:bodyPr vert="horz" lIns="91440" tIns="45720" rIns="91440" bIns="45720" rtlCol="0"/>
+          <a:lstStyle>
+            <a:lvl1pPr algn="r">
+              <a:defRPr sz="1200"/>
+            </a:lvl1pPr>
+          </a:lstStyle>
+          <a:p>
+            <a:fld id="{DE24F5AA-FD04-4D4D-BB68-34B7B6D05462}" type="datetimeFigureOut">
+              <a:rPr lang="en-US" smtClean="0"/>
+              <a:t>2/20/2011</a:t>
+            </a:fld>
+            <a:endParaRPr lang="en-US"/>
+          </a:p>
+        </p:txBody>
+      </p:sp>
+      <p:sp>
+        <p:nvSpPr>
+          <p:cNvPr id="4" name="Slide Image Placeholder 3"/>
+          <p:cNvSpPr>
+            <a:spLocks noGrp="1" noRot="1" noChangeAspect="1"/>
+          </p:cNvSpPr>
+          <p:nvPr>
+            <p:ph type="sldImg" idx="2"/>
+          </p:nvPr>
+        </p:nvSpPr>
+        <p:spPr>
+          <a:xfrm>
+            <a:off x="1143000" y="685800"/>
+            <a:ext cx="4572000" cy="3429000"/>
+          </a:xfrm>
+          <a:prstGeom prst="rect">
+            <a:avLst/>
+          </a:prstGeom>
+          <a:noFill/>
+          <a:ln w="12700">
+            <a:solidFill>
+              <a:prstClr val="black"/>
+            </a:solidFill>
+          </a:ln>
+        </p:spPr>
+        <p:txBody>
+          <a:bodyPr vert="horz" lIns="91440" tIns="45720" rIns="91440" bIns="45720" rtlCol="0" anchor="ctr"/>
+          <a:lstStyle/>
+          <a:p>
+            <a:endParaRPr lang="en-US"/>
+          </a:p>
+        </p:txBody>
+      </p:sp>
+      <p:sp>
+        <p:nvSpPr>
+          <p:cNvPr id="5" name="Notes Placeholder 4"/>
+          <p:cNvSpPr>
+            <a:spLocks noGrp="1"/>
+          </p:cNvSpPr>
+          <p:nvPr>
+            <p:ph type="body" sz="quarter" idx="3"/>
+          </p:nvPr>
+        </p:nvSpPr>
+        <p:spPr>
+          <a:xfrm>
+            <a:off x="685800" y="4343400"/>
+            <a:ext cx="5486400" cy="4114800"/>
+          </a:xfrm>
+          <a:prstGeom prst="rect">
+            <a:avLst/>
+          </a:prstGeom>
+        </p:spPr>
+        <p:txBody>
+          <a:bodyPr vert="horz" lIns="91440" tIns="45720" rIns="91440" bIns="45720" rtlCol="0">
+            <a:normAutofit/>
+          </a:bodyPr>
+          <a:lstStyle/>
+          <a:p>
+            <a:pPr lvl="0"/>
+            <a:r>
+              <a:rPr lang="en-US" smtClean="0"/>
+              <a:t>Click to edit Master text styles</a:t>
+            </a:r>
+          </a:p>
+          <a:p>
+            <a:pPr lvl="1"/>
+            <a:r>
+              <a:rPr lang="en-US" smtClean="0"/>
+              <a:t>Second level</a:t>
+            </a:r>
+          </a:p>
+          <a:p>
+            <a:pPr lvl="2"/>
+            <a:r>
+              <a:rPr lang="en-US" smtClean="0"/>
+              <a:t>Third level</a:t>
+            </a:r>
+          </a:p>
+          <a:p>
+            <a:pPr lvl="3"/>
+            <a:r>
+              <a:rPr lang="en-US" smtClean="0"/>
+              <a:t>Fourth level</a:t>
+            </a:r>
+          </a:p>
+          <a:p>
+            <a:pPr lvl="4"/>
+            <a:r>
+              <a:rPr lang="en-US" smtClean="0"/>
+              <a:t>Fifth level</a:t>
+            </a:r>
+            <a:endParaRPr lang="en-US"/>
+          </a:p>
+        </p:txBody>
+      </p:sp>
+      <p:sp>
+        <p:nvSpPr>
+          <p:cNvPr id="6" name="Footer Placeholder 5"/>
+          <p:cNvSpPr>
+            <a:spLocks noGrp="1"/>
+          </p:cNvSpPr>
+          <p:nvPr>
+            <p:ph type="ftr" sz="quarter" idx="4"/>
+          </p:nvPr>
+        </p:nvSpPr>
+        <p:spPr>
+          <a:xfrm>
+            <a:off x="0" y="8685213"/>
+            <a:ext cx="2971800" cy="457200"/>
+          </a:xfrm>
+          <a:prstGeom prst="rect">
+            <a:avLst/>
+          </a:prstGeom>
+        </p:spPr>
+        <p:txBody>
+          <a:bodyPr vert="horz" lIns="91440" tIns="45720" rIns="91440" bIns="45720" rtlCol="0" anchor="b"/>
+          <a:lstStyle>
+            <a:lvl1pPr algn="l">
+              <a:defRPr sz="1200"/>
+            </a:lvl1pPr>
+          </a:lstStyle>
+          <a:p>
+            <a:endParaRPr lang="en-US"/>
+          </a:p>
+        </p:txBody>
+      </p:sp>
+      <p:sp>
+        <p:nvSpPr>
+          <p:cNvPr id="7" name="Slide Number Placeholder 6"/>
+          <p:cNvSpPr>
+            <a:spLocks noGrp="1"/>
+          </p:cNvSpPr>
+          <p:nvPr>
+            <p:ph type="sldNum" sz="quarter" idx="5"/>
+          </p:nvPr>
+        </p:nvSpPr>
+        <p:spPr>
+          <a:xfrm>
+            <a:off x="3884613" y="8685213"/>
+            <a:ext cx="2971800" cy="457200"/>
+          </a:xfrm>
+          <a:prstGeom prst="rect">
+            <a:avLst/>
+          </a:prstGeom>
+        </p:spPr>
+        <p:txBody>
+          <a:bodyPr vert="horz" lIns="91440" tIns="45720" rIns="91440" bIns="45720" rtlCol="0" anchor="b"/>
+          <a:lstStyle>
+            <a:lvl1pPr algn="r">
+              <a:defRPr sz="1200"/>
+            </a:lvl1pPr>
+          </a:lstStyle>
+          <a:p>
+            <a:fld id="{E511B5A1-53C0-4204-B383-E6E66E6C8A6E}" type="slidenum">
+              <a:rPr lang="en-US" smtClean="0"/>
+              <a:t>‹#›</a:t>
+            </a:fld>
+            <a:endParaRPr lang="en-US"/>
+          </a:p>
+        </p:txBody>
+      </p:sp>
+    </p:spTree>
+  </p:cSld>
+  <p:clrMap bg1="lt1" tx1="dk1" bg2="lt2" tx2="dk2" accent1="accent1" accent2="accent2" accent3="accent3" accent4="accent4" accent5="accent5" accent6="accent6" hlink="hlink" folHlink="folHlink"/>
+  <p:notesStyle>
+    <a:lvl1pPr marL="0" algn="l" defTabSz="914400" rtl="0" eaLnBrk="1" latinLnBrk="0" hangingPunct="1">
+      <a:defRPr sz="1200" kern="1200">
+        <a:solidFill>
+          <a:schemeClr val="tx1"/>
+        </a:solidFill>
+        <a:latin typeface="+mn-lt"/>
+        <a:ea typeface="+mn-ea"/>
+        <a:cs typeface="+mn-cs"/>
+      </a:defRPr>
+    </a:lvl1pPr>
+    <a:lvl2pPr marL="457200" algn="l" defTabSz="914400" rtl="0" eaLnBrk="1" latinLnBrk="0" hangingPunct="1">
+      <a:defRPr sz="1200" kern="1200">
+        <a:solidFill>
+          <a:schemeClr val="tx1"/>
+        </a:solidFill>
+        <a:latin typeface="+mn-lt"/>
+        <a:ea typeface="+mn-ea"/>
+        <a:cs typeface="+mn-cs"/>
+      </a:defRPr>
+    </a:lvl2pPr>
+    <a:lvl3pPr marL="914400" algn="l" defTabSz="914400" rtl="0" eaLnBrk="1" latinLnBrk="0" hangingPunct="1">
+      <a:defRPr sz="1200" kern="1200">
+        <a:solidFill>
+          <a:schemeClr val="tx1"/>
+        </a:solidFill>
+        <a:latin typeface="+mn-lt"/>
+        <a:ea typeface="+mn-ea"/>
+        <a:cs typeface="+mn-cs"/>
+      </a:defRPr>
+    </a:lvl3pPr>
+    <a:lvl4pPr marL="1371600" algn="l" defTabSz="914400" rtl="0" eaLnBrk="1" latinLnBrk="0" hangingPunct="1">
+      <a:defRPr sz="1200" kern="1200">
+        <a:solidFill>
+          <a:schemeClr val="tx1"/>
+        </a:solidFill>
+        <a:latin typeface="+mn-lt"/>
+        <a:ea typeface="+mn-ea"/>
+        <a:cs typeface="+mn-cs"/>
+      </a:defRPr>
+    </a:lvl4pPr>
+    <a:lvl5pPr marL="1828800" algn="l" defTabSz="914400" rtl="0" eaLnBrk="1" latinLnBrk="0" hangingPunct="1">
+      <a:defRPr sz="1200" kern="1200">
+        <a:solidFill>
+          <a:schemeClr val="tx1"/>
+        </a:solidFill>
+        <a:latin typeface="+mn-lt"/>
+        <a:ea typeface="+mn-ea"/>
+        <a:cs typeface="+mn-cs"/>
+      </a:defRPr>
+    </a:lvl5pPr>
+    <a:lvl6pPr marL="2286000" algn="l" defTabSz="914400" rtl="0" eaLnBrk="1" latinLnBrk="0" hangingPunct="1">
+      <a:defRPr sz="1200" kern="1200">
+        <a:solidFill>
+          <a:schemeClr val="tx1"/>
+        </a:solidFill>
+        <a:latin typeface="+mn-lt"/>
+        <a:ea typeface="+mn-ea"/>
+        <a:cs typeface="+mn-cs"/>
+      </a:defRPr>
+    </a:lvl6pPr>
+    <a:lvl7pPr marL="2743200" algn="l" defTabSz="914400" rtl="0" eaLnBrk="1" latinLnBrk="0" hangingPunct="1">
+      <a:defRPr sz="1200" kern="1200">
+        <a:solidFill>
+          <a:schemeClr val="tx1"/>
+        </a:solidFill>
+        <a:latin typeface="+mn-lt"/>
+        <a:ea typeface="+mn-ea"/>
+        <a:cs typeface="+mn-cs"/>
+      </a:defRPr>
+    </a:lvl7pPr>
+    <a:lvl8pPr marL="3200400" algn="l" defTabSz="914400" rtl="0" eaLnBrk="1" latinLnBrk="0" hangingPunct="1">
+      <a:defRPr sz="1200" kern="1200">
+        <a:solidFill>
+          <a:schemeClr val="tx1"/>
+        </a:solidFill>
+        <a:latin typeface="+mn-lt"/>
+        <a:ea typeface="+mn-ea"/>
+        <a:cs typeface="+mn-cs"/>
+      </a:defRPr>
+    </a:lvl8pPr>
+    <a:lvl9pPr marL="3657600" algn="l" defTabSz="914400" rtl="0" eaLnBrk="1" latinLnBrk="0" hangingPunct="1">
+      <a:defRPr sz="1200" kern="1200">
+        <a:solidFill>
+          <a:schemeClr val="tx1"/>
+        </a:solidFill>
+        <a:latin typeface="+mn-lt"/>
+        <a:ea typeface="+mn-ea"/>
+        <a:cs typeface="+mn-cs"/>
+      </a:defRPr>
+    </a:lvl9pPr>
+  </p:notesStyle>
+</p:notesMaster>
+</file>
+
+<file path=ppt/notesSlides/notesSlide1.xml><?xml version="1.0" encoding="utf-8"?>
+<p:notes xmlns:a="http://schemas.openxmlformats.org/drawingml/2006/main" xmlns:r="http://schemas.openxmlformats.org/officeDocument/2006/relationships" xmlns:p="http://schemas.openxmlformats.org/presentationml/2006/main">
+  <p:cSld>
+    <p:spTree>
+      <p:nvGrpSpPr>
+        <p:cNvPr id="1" name=""/>
+        <p:cNvGrpSpPr/>
+        <p:nvPr/>
+      </p:nvGrpSpPr>
+      <p:grpSpPr>
+        <a:xfrm>
+          <a:off x="0" y="0"/>
+          <a:ext cx="0" cy="0"/>
+          <a:chOff x="0" y="0"/>
+          <a:chExt cx="0" cy="0"/>
+        </a:xfrm>
+      </p:grpSpPr>
+      <p:sp>
+        <p:nvSpPr>
+          <p:cNvPr id="2" name="Slide Image Placeholder 1"/>
+          <p:cNvSpPr>
+            <a:spLocks noGrp="1" noRot="1" noChangeAspect="1"/>
+          </p:cNvSpPr>
+          <p:nvPr>
+            <p:ph type="sldImg"/>
+          </p:nvPr>
+        </p:nvSpPr>
+        <p:spPr/>
+      </p:sp>
+      <p:sp>
+        <p:nvSpPr>
+          <p:cNvPr id="3" name="Notes Placeholder 2"/>
+          <p:cNvSpPr>
+            <a:spLocks noGrp="1"/>
+          </p:cNvSpPr>
+          <p:nvPr>
+            <p:ph type="body" idx="1"/>
+          </p:nvPr>
+        </p:nvSpPr>
+        <p:spPr/>
+        <p:txBody>
+          <a:bodyPr>
+            <a:normAutofit/>
+          </a:bodyPr>
+          <a:lstStyle/>
+          <a:p>
+            <a:r>
+              <a:rPr lang="en-US" dirty="0" smtClean="0"/>
+              <a:t>Anoop</a:t>
+            </a:r>
+            <a:endParaRPr lang="en-US" dirty="0"/>
+          </a:p>
+        </p:txBody>
+      </p:sp>
+      <p:sp>
+        <p:nvSpPr>
+          <p:cNvPr id="4" name="Slide Number Placeholder 3"/>
+          <p:cNvSpPr>
+            <a:spLocks noGrp="1"/>
+          </p:cNvSpPr>
+          <p:nvPr>
+            <p:ph type="sldNum" sz="quarter" idx="10"/>
+          </p:nvPr>
+        </p:nvSpPr>
+        <p:spPr/>
+        <p:txBody>
+          <a:bodyPr/>
+          <a:lstStyle/>
+          <a:p>
+            <a:fld id="{E511B5A1-53C0-4204-B383-E6E66E6C8A6E}" type="slidenum">
+              <a:rPr lang="en-US" smtClean="0"/>
+              <a:t>1</a:t>
+            </a:fld>
+            <a:endParaRPr lang="en-US"/>
+          </a:p>
+        </p:txBody>
+      </p:sp>
+    </p:spTree>
+  </p:cSld>
+  <p:clrMapOvr>
+    <a:masterClrMapping/>
+  </p:clrMapOvr>
+</p:notes>
+</file>
+
+<file path=ppt/notesSlides/notesSlide2.xml><?xml version="1.0" encoding="utf-8"?>
+<p:notes xmlns:a="http://schemas.openxmlformats.org/drawingml/2006/main" xmlns:r="http://schemas.openxmlformats.org/officeDocument/2006/relationships" xmlns:p="http://schemas.openxmlformats.org/presentationml/2006/main">
+  <p:cSld>
+    <p:spTree>
+      <p:nvGrpSpPr>
+        <p:cNvPr id="1" name=""/>
+        <p:cNvGrpSpPr/>
+        <p:nvPr/>
+      </p:nvGrpSpPr>
+      <p:grpSpPr>
+        <a:xfrm>
+          <a:off x="0" y="0"/>
+          <a:ext cx="0" cy="0"/>
+          <a:chOff x="0" y="0"/>
+          <a:chExt cx="0" cy="0"/>
+        </a:xfrm>
+      </p:grpSpPr>
+      <p:sp>
+        <p:nvSpPr>
+          <p:cNvPr id="2" name="Slide Image Placeholder 1"/>
+          <p:cNvSpPr>
+            <a:spLocks noGrp="1" noRot="1" noChangeAspect="1"/>
+          </p:cNvSpPr>
+          <p:nvPr>
+            <p:ph type="sldImg"/>
+          </p:nvPr>
+        </p:nvSpPr>
+        <p:spPr/>
+      </p:sp>
+      <p:sp>
+        <p:nvSpPr>
+          <p:cNvPr id="3" name="Notes Placeholder 2"/>
+          <p:cNvSpPr>
+            <a:spLocks noGrp="1"/>
+          </p:cNvSpPr>
+          <p:nvPr>
+            <p:ph type="body" idx="1"/>
+          </p:nvPr>
+        </p:nvSpPr>
+        <p:spPr/>
+        <p:txBody>
+          <a:bodyPr>
+            <a:normAutofit/>
+          </a:bodyPr>
+          <a:lstStyle/>
+          <a:p>
+            <a:r>
+              <a:rPr lang="en-US" dirty="0" smtClean="0"/>
+              <a:t>Make a game that does not depend and visuals at all, yet still</a:t>
+            </a:r>
+            <a:r>
+              <a:rPr lang="en-US" baseline="0" dirty="0" smtClean="0"/>
+              <a:t> is able to communicate information to the player clearly.</a:t>
+            </a:r>
+          </a:p>
+          <a:p>
+            <a:r>
+              <a:rPr lang="en-US" dirty="0" smtClean="0"/>
+              <a:t>Ensure</a:t>
+            </a:r>
+            <a:r>
+              <a:rPr lang="en-US" baseline="0" dirty="0" smtClean="0"/>
+              <a:t> that the game provides a unique experience.</a:t>
+            </a:r>
+          </a:p>
+          <a:p>
+            <a:endParaRPr lang="en-US" baseline="0" dirty="0" smtClean="0"/>
+          </a:p>
+          <a:p>
+            <a:r>
+              <a:rPr lang="en-US" dirty="0" smtClean="0"/>
+              <a:t>Make a game that is compelling no matter who you are.</a:t>
+            </a:r>
+          </a:p>
+          <a:p>
+            <a:r>
+              <a:rPr lang="en-US" dirty="0" err="1" smtClean="0"/>
+              <a:t>Callenges</a:t>
+            </a:r>
+            <a:r>
+              <a:rPr lang="en-US" dirty="0" smtClean="0"/>
+              <a:t> – make the game appropriately difficult</a:t>
+            </a:r>
+            <a:r>
+              <a:rPr lang="en-US" baseline="0" dirty="0" smtClean="0"/>
+              <a:t> + excite the player</a:t>
+            </a:r>
+            <a:endParaRPr lang="en-US" dirty="0" smtClean="0"/>
+          </a:p>
+          <a:p>
+            <a:endParaRPr lang="en-US" dirty="0"/>
+          </a:p>
+        </p:txBody>
+      </p:sp>
+      <p:sp>
+        <p:nvSpPr>
+          <p:cNvPr id="4" name="Slide Number Placeholder 3"/>
+          <p:cNvSpPr>
+            <a:spLocks noGrp="1"/>
+          </p:cNvSpPr>
+          <p:nvPr>
+            <p:ph type="sldNum" sz="quarter" idx="10"/>
+          </p:nvPr>
+        </p:nvSpPr>
+        <p:spPr/>
+        <p:txBody>
+          <a:bodyPr/>
+          <a:lstStyle/>
+          <a:p>
+            <a:fld id="{E511B5A1-53C0-4204-B383-E6E66E6C8A6E}" type="slidenum">
+              <a:rPr lang="en-US" smtClean="0"/>
+              <a:t>2</a:t>
+            </a:fld>
+            <a:endParaRPr lang="en-US"/>
+          </a:p>
+        </p:txBody>
+      </p:sp>
+    </p:spTree>
+  </p:cSld>
+  <p:clrMapOvr>
+    <a:masterClrMapping/>
+  </p:clrMapOvr>
+</p:notes>
+</file>
+
+<file path=ppt/notesSlides/notesSlide3.xml><?xml version="1.0" encoding="utf-8"?>
+<p:notes xmlns:a="http://schemas.openxmlformats.org/drawingml/2006/main" xmlns:r="http://schemas.openxmlformats.org/officeDocument/2006/relationships" xmlns:p="http://schemas.openxmlformats.org/presentationml/2006/main">
+  <p:cSld>
+    <p:spTree>
+      <p:nvGrpSpPr>
+        <p:cNvPr id="1" name=""/>
+        <p:cNvGrpSpPr/>
+        <p:nvPr/>
+      </p:nvGrpSpPr>
+      <p:grpSpPr>
+        <a:xfrm>
+          <a:off x="0" y="0"/>
+          <a:ext cx="0" cy="0"/>
+          <a:chOff x="0" y="0"/>
+          <a:chExt cx="0" cy="0"/>
+        </a:xfrm>
+      </p:grpSpPr>
+      <p:sp>
+        <p:nvSpPr>
+          <p:cNvPr id="2" name="Slide Image Placeholder 1"/>
+          <p:cNvSpPr>
+            <a:spLocks noGrp="1" noRot="1" noChangeAspect="1"/>
+          </p:cNvSpPr>
+          <p:nvPr>
+            <p:ph type="sldImg"/>
+          </p:nvPr>
+        </p:nvSpPr>
+        <p:spPr/>
+      </p:sp>
+      <p:sp>
+        <p:nvSpPr>
+          <p:cNvPr id="3" name="Notes Placeholder 2"/>
+          <p:cNvSpPr>
+            <a:spLocks noGrp="1"/>
+          </p:cNvSpPr>
+          <p:nvPr>
+            <p:ph type="body" idx="1"/>
+          </p:nvPr>
+        </p:nvSpPr>
+        <p:spPr/>
+        <p:txBody>
+          <a:bodyPr>
+            <a:normAutofit/>
+          </a:bodyPr>
+          <a:lstStyle/>
+          <a:p>
+            <a:r>
+              <a:rPr lang="en-US" dirty="0" smtClean="0"/>
+              <a:t>Submarines are blind</a:t>
+            </a:r>
+            <a:r>
+              <a:rPr lang="en-US" baseline="0" dirty="0" smtClean="0"/>
+              <a:t> and are forced to rely on their instruments to navigate the oceans</a:t>
+            </a:r>
+          </a:p>
+          <a:p>
+            <a:endParaRPr lang="en-US" baseline="0" dirty="0" smtClean="0"/>
+          </a:p>
+          <a:p>
+            <a:r>
+              <a:rPr lang="en-US" baseline="0" dirty="0" smtClean="0"/>
+              <a:t>Different crew members with different </a:t>
+            </a:r>
+            <a:endParaRPr lang="en-US" dirty="0"/>
+          </a:p>
+        </p:txBody>
+      </p:sp>
+      <p:sp>
+        <p:nvSpPr>
+          <p:cNvPr id="4" name="Slide Number Placeholder 3"/>
+          <p:cNvSpPr>
+            <a:spLocks noGrp="1"/>
+          </p:cNvSpPr>
+          <p:nvPr>
+            <p:ph type="sldNum" sz="quarter" idx="10"/>
+          </p:nvPr>
+        </p:nvSpPr>
+        <p:spPr/>
+        <p:txBody>
+          <a:bodyPr/>
+          <a:lstStyle/>
+          <a:p>
+            <a:fld id="{E511B5A1-53C0-4204-B383-E6E66E6C8A6E}" type="slidenum">
+              <a:rPr lang="en-US" smtClean="0"/>
+              <a:t>3</a:t>
+            </a:fld>
+            <a:endParaRPr lang="en-US"/>
+          </a:p>
+        </p:txBody>
+      </p:sp>
+    </p:spTree>
+  </p:cSld>
+  <p:clrMapOvr>
+    <a:masterClrMapping/>
+  </p:clrMapOvr>
+</p:notes>
+</file>
+
+<file path=ppt/notesSlides/notesSlide4.xml><?xml version="1.0" encoding="utf-8"?>
+<p:notes xmlns:a="http://schemas.openxmlformats.org/drawingml/2006/main" xmlns:r="http://schemas.openxmlformats.org/officeDocument/2006/relationships" xmlns:p="http://schemas.openxmlformats.org/presentationml/2006/main">
+  <p:cSld>
+    <p:spTree>
+      <p:nvGrpSpPr>
+        <p:cNvPr id="1" name=""/>
+        <p:cNvGrpSpPr/>
+        <p:nvPr/>
+      </p:nvGrpSpPr>
+      <p:grpSpPr>
+        <a:xfrm>
+          <a:off x="0" y="0"/>
+          <a:ext cx="0" cy="0"/>
+          <a:chOff x="0" y="0"/>
+          <a:chExt cx="0" cy="0"/>
+        </a:xfrm>
+      </p:grpSpPr>
+      <p:sp>
+        <p:nvSpPr>
+          <p:cNvPr id="2" name="Slide Image Placeholder 1"/>
+          <p:cNvSpPr>
+            <a:spLocks noGrp="1" noRot="1" noChangeAspect="1"/>
+          </p:cNvSpPr>
+          <p:nvPr>
+            <p:ph type="sldImg"/>
+          </p:nvPr>
+        </p:nvSpPr>
+        <p:spPr/>
+      </p:sp>
+      <p:sp>
+        <p:nvSpPr>
+          <p:cNvPr id="3" name="Notes Placeholder 2"/>
+          <p:cNvSpPr>
+            <a:spLocks noGrp="1"/>
+          </p:cNvSpPr>
+          <p:nvPr>
+            <p:ph type="body" idx="1"/>
+          </p:nvPr>
+        </p:nvSpPr>
+        <p:spPr/>
+        <p:txBody>
+          <a:bodyPr>
+            <a:normAutofit/>
+          </a:bodyPr>
+          <a:lstStyle/>
+          <a:p>
+            <a:pPr marL="0" marR="0" indent="0" algn="l" defTabSz="914400" rtl="0" eaLnBrk="1" fontAlgn="auto" latinLnBrk="0" hangingPunct="1">
+              <a:lnSpc>
+                <a:spcPct val="100000"/>
+              </a:lnSpc>
+              <a:spcBef>
+                <a:spcPts val="0"/>
+              </a:spcBef>
+              <a:spcAft>
+                <a:spcPts val="0"/>
+              </a:spcAft>
+              <a:buClrTx/>
+              <a:buSzTx/>
+              <a:buFontTx/>
+              <a:buNone/>
+              <a:tabLst/>
+              <a:defRPr/>
+            </a:pPr>
+            <a:r>
+              <a:rPr lang="en-US" dirty="0" smtClean="0"/>
+              <a:t>We actually emulate how a radial sonar works</a:t>
+            </a:r>
+            <a:r>
+              <a:rPr lang="en-US" baseline="0" dirty="0" smtClean="0"/>
+              <a:t> and it allows us to have several objects in the game at one time.</a:t>
+            </a:r>
+            <a:endParaRPr lang="en-US" dirty="0" smtClean="0"/>
+          </a:p>
+          <a:p>
+            <a:endParaRPr lang="en-US" dirty="0" smtClean="0"/>
+          </a:p>
+          <a:p>
+            <a:r>
+              <a:rPr lang="en-US" dirty="0" smtClean="0"/>
+              <a:t>A real arcade</a:t>
+            </a:r>
+            <a:r>
+              <a:rPr lang="en-US" baseline="0" dirty="0" smtClean="0"/>
+              <a:t> game behind the scenes.</a:t>
+            </a:r>
+            <a:endParaRPr lang="en-US" dirty="0" smtClean="0"/>
+          </a:p>
+        </p:txBody>
+      </p:sp>
+      <p:sp>
+        <p:nvSpPr>
+          <p:cNvPr id="4" name="Slide Number Placeholder 3"/>
+          <p:cNvSpPr>
+            <a:spLocks noGrp="1"/>
+          </p:cNvSpPr>
+          <p:nvPr>
+            <p:ph type="sldNum" sz="quarter" idx="10"/>
+          </p:nvPr>
+        </p:nvSpPr>
+        <p:spPr/>
+        <p:txBody>
+          <a:bodyPr/>
+          <a:lstStyle/>
+          <a:p>
+            <a:fld id="{E511B5A1-53C0-4204-B383-E6E66E6C8A6E}" type="slidenum">
+              <a:rPr lang="en-US" smtClean="0"/>
+              <a:t>4</a:t>
+            </a:fld>
+            <a:endParaRPr lang="en-US"/>
+          </a:p>
+        </p:txBody>
+      </p:sp>
+    </p:spTree>
+  </p:cSld>
+  <p:clrMapOvr>
+    <a:masterClrMapping/>
+  </p:clrMapOvr>
+</p:notes>
+</file>
+
+<file path=ppt/notesSlides/notesSlide5.xml><?xml version="1.0" encoding="utf-8"?>
+<p:notes xmlns:a="http://schemas.openxmlformats.org/drawingml/2006/main" xmlns:r="http://schemas.openxmlformats.org/officeDocument/2006/relationships" xmlns:p="http://schemas.openxmlformats.org/presentationml/2006/main">
+  <p:cSld>
+    <p:spTree>
+      <p:nvGrpSpPr>
+        <p:cNvPr id="1" name=""/>
+        <p:cNvGrpSpPr/>
+        <p:nvPr/>
+      </p:nvGrpSpPr>
+      <p:grpSpPr>
+        <a:xfrm>
+          <a:off x="0" y="0"/>
+          <a:ext cx="0" cy="0"/>
+          <a:chOff x="0" y="0"/>
+          <a:chExt cx="0" cy="0"/>
+        </a:xfrm>
+      </p:grpSpPr>
+      <p:sp>
+        <p:nvSpPr>
+          <p:cNvPr id="2" name="Slide Image Placeholder 1"/>
+          <p:cNvSpPr>
+            <a:spLocks noGrp="1" noRot="1" noChangeAspect="1"/>
+          </p:cNvSpPr>
+          <p:nvPr>
+            <p:ph type="sldImg"/>
+          </p:nvPr>
+        </p:nvSpPr>
+        <p:spPr/>
+      </p:sp>
+      <p:sp>
+        <p:nvSpPr>
+          <p:cNvPr id="3" name="Notes Placeholder 2"/>
+          <p:cNvSpPr>
+            <a:spLocks noGrp="1"/>
+          </p:cNvSpPr>
+          <p:nvPr>
+            <p:ph type="body" idx="1"/>
+          </p:nvPr>
+        </p:nvSpPr>
+        <p:spPr/>
+        <p:txBody>
+          <a:bodyPr>
+            <a:normAutofit/>
+          </a:bodyPr>
+          <a:lstStyle/>
+          <a:p>
+            <a:r>
+              <a:rPr lang="en-US" dirty="0" smtClean="0"/>
+              <a:t>Using sonar to locate and identify targets is very natural, and is something that many people are already familiar with.</a:t>
+            </a:r>
+          </a:p>
+          <a:p>
+            <a:r>
+              <a:rPr lang="en-US" dirty="0" smtClean="0"/>
+              <a:t>Different pings for different objects</a:t>
+            </a:r>
+          </a:p>
+          <a:p>
+            <a:endParaRPr lang="en-US" dirty="0" smtClean="0"/>
+          </a:p>
+          <a:p>
+            <a:r>
+              <a:rPr lang="en-US" dirty="0" smtClean="0"/>
+              <a:t>Shooting</a:t>
+            </a:r>
+            <a:r>
+              <a:rPr lang="en-US" baseline="0" dirty="0" smtClean="0"/>
+              <a:t> missiles – more fun than just navigating to targets</a:t>
+            </a:r>
+            <a:endParaRPr lang="en-US" dirty="0"/>
+          </a:p>
+        </p:txBody>
+      </p:sp>
+      <p:sp>
+        <p:nvSpPr>
+          <p:cNvPr id="4" name="Slide Number Placeholder 3"/>
+          <p:cNvSpPr>
+            <a:spLocks noGrp="1"/>
+          </p:cNvSpPr>
+          <p:nvPr>
+            <p:ph type="sldNum" sz="quarter" idx="10"/>
+          </p:nvPr>
+        </p:nvSpPr>
+        <p:spPr/>
+        <p:txBody>
+          <a:bodyPr/>
+          <a:lstStyle/>
+          <a:p>
+            <a:fld id="{E511B5A1-53C0-4204-B383-E6E66E6C8A6E}" type="slidenum">
+              <a:rPr lang="en-US" smtClean="0"/>
+              <a:t>6</a:t>
+            </a:fld>
+            <a:endParaRPr lang="en-US"/>
+          </a:p>
+        </p:txBody>
+      </p:sp>
+    </p:spTree>
+  </p:cSld>
+  <p:clrMapOvr>
+    <a:masterClrMapping/>
+  </p:clrMapOvr>
+</p:notes>
+</file>
+
 <file path=ppt/slideLayouts/slideLayout1.xml><?xml version="1.0" encoding="utf-8"?>
 <p:sldLayout xmlns:a="http://schemas.openxmlformats.org/drawingml/2006/main" xmlns:r="http://schemas.openxmlformats.org/officeDocument/2006/relationships" xmlns:p="http://schemas.openxmlformats.org/presentationml/2006/main" type="title" preserve="1">
   <p:cSld name="Title Slide">
@@ -285,7 +1167,8 @@
           <a:p>
             <a:fld id="{2588FC9A-999D-4DE7-B3DC-930E14750B3E}" type="datetimeFigureOut">
               <a:rPr lang="en-US" smtClean="0"/>
-              <a:t>20/2/2011</a:t>
+              <a:pPr/>
+              <a:t>2/20/2011</a:t>
             </a:fld>
             <a:endParaRPr lang="en-US"/>
           </a:p>
@@ -327,6 +1210,7 @@
           <a:p>
             <a:fld id="{11A2C79B-9EB2-48C6-9F54-B57BB9859A51}" type="slidenum">
               <a:rPr lang="en-US" smtClean="0"/>
+              <a:pPr/>
               <a:t>‹#›</a:t>
             </a:fld>
             <a:endParaRPr lang="en-US"/>
@@ -450,7 +1334,8 @@
           <a:p>
             <a:fld id="{2588FC9A-999D-4DE7-B3DC-930E14750B3E}" type="datetimeFigureOut">
               <a:rPr lang="en-US" smtClean="0"/>
-              <a:t>20/2/2011</a:t>
+              <a:pPr/>
+              <a:t>2/20/2011</a:t>
             </a:fld>
             <a:endParaRPr lang="en-US"/>
           </a:p>
@@ -492,6 +1377,7 @@
           <a:p>
             <a:fld id="{11A2C79B-9EB2-48C6-9F54-B57BB9859A51}" type="slidenum">
               <a:rPr lang="en-US" smtClean="0"/>
+              <a:pPr/>
               <a:t>‹#›</a:t>
             </a:fld>
             <a:endParaRPr lang="en-US"/>
@@ -625,7 +1511,8 @@
           <a:p>
             <a:fld id="{2588FC9A-999D-4DE7-B3DC-930E14750B3E}" type="datetimeFigureOut">
               <a:rPr lang="en-US" smtClean="0"/>
-              <a:t>20/2/2011</a:t>
+              <a:pPr/>
+              <a:t>2/20/2011</a:t>
             </a:fld>
             <a:endParaRPr lang="en-US"/>
           </a:p>
@@ -667,6 +1554,7 @@
           <a:p>
             <a:fld id="{11A2C79B-9EB2-48C6-9F54-B57BB9859A51}" type="slidenum">
               <a:rPr lang="en-US" smtClean="0"/>
+              <a:pPr/>
               <a:t>‹#›</a:t>
             </a:fld>
             <a:endParaRPr lang="en-US"/>
@@ -790,7 +1678,8 @@
           <a:p>
             <a:fld id="{2588FC9A-999D-4DE7-B3DC-930E14750B3E}" type="datetimeFigureOut">
               <a:rPr lang="en-US" smtClean="0"/>
-              <a:t>20/2/2011</a:t>
+              <a:pPr/>
+              <a:t>2/20/2011</a:t>
             </a:fld>
             <a:endParaRPr lang="en-US"/>
           </a:p>
@@ -832,6 +1721,7 @@
           <a:p>
             <a:fld id="{11A2C79B-9EB2-48C6-9F54-B57BB9859A51}" type="slidenum">
               <a:rPr lang="en-US" smtClean="0"/>
+              <a:pPr/>
               <a:t>‹#›</a:t>
             </a:fld>
             <a:endParaRPr lang="en-US"/>
@@ -1032,7 +1922,8 @@
           <a:p>
             <a:fld id="{2588FC9A-999D-4DE7-B3DC-930E14750B3E}" type="datetimeFigureOut">
               <a:rPr lang="en-US" smtClean="0"/>
-              <a:t>20/2/2011</a:t>
+              <a:pPr/>
+              <a:t>2/20/2011</a:t>
             </a:fld>
             <a:endParaRPr lang="en-US"/>
           </a:p>
@@ -1074,6 +1965,7 @@
           <a:p>
             <a:fld id="{11A2C79B-9EB2-48C6-9F54-B57BB9859A51}" type="slidenum">
               <a:rPr lang="en-US" smtClean="0"/>
+              <a:pPr/>
               <a:t>‹#›</a:t>
             </a:fld>
             <a:endParaRPr lang="en-US"/>
@@ -1296,7 +2188,8 @@
           <a:p>
             <a:fld id="{2588FC9A-999D-4DE7-B3DC-930E14750B3E}" type="datetimeFigureOut">
               <a:rPr lang="en-US" smtClean="0"/>
-              <a:t>20/2/2011</a:t>
+              <a:pPr/>
+              <a:t>2/20/2011</a:t>
             </a:fld>
             <a:endParaRPr lang="en-US"/>
           </a:p>
@@ -1338,6 +2231,7 @@
           <a:p>
             <a:fld id="{11A2C79B-9EB2-48C6-9F54-B57BB9859A51}" type="slidenum">
               <a:rPr lang="en-US" smtClean="0"/>
+              <a:pPr/>
               <a:t>‹#›</a:t>
             </a:fld>
             <a:endParaRPr lang="en-US"/>
@@ -1674,7 +2568,8 @@
           <a:p>
             <a:fld id="{2588FC9A-999D-4DE7-B3DC-930E14750B3E}" type="datetimeFigureOut">
               <a:rPr lang="en-US" smtClean="0"/>
-              <a:t>20/2/2011</a:t>
+              <a:pPr/>
+              <a:t>2/20/2011</a:t>
             </a:fld>
             <a:endParaRPr lang="en-US"/>
           </a:p>
@@ -1716,6 +2611,7 @@
           <a:p>
             <a:fld id="{11A2C79B-9EB2-48C6-9F54-B57BB9859A51}" type="slidenum">
               <a:rPr lang="en-US" smtClean="0"/>
+              <a:pPr/>
               <a:t>‹#›</a:t>
             </a:fld>
             <a:endParaRPr lang="en-US"/>
@@ -1824,7 +2720,8 @@
           <a:p>
             <a:fld id="{2588FC9A-999D-4DE7-B3DC-930E14750B3E}" type="datetimeFigureOut">
               <a:rPr lang="en-US" smtClean="0"/>
-              <a:t>20/2/2011</a:t>
+              <a:pPr/>
+              <a:t>2/20/2011</a:t>
             </a:fld>
             <a:endParaRPr lang="en-US"/>
           </a:p>
@@ -1866,6 +2763,7 @@
           <a:p>
             <a:fld id="{11A2C79B-9EB2-48C6-9F54-B57BB9859A51}" type="slidenum">
               <a:rPr lang="en-US" smtClean="0"/>
+              <a:pPr/>
               <a:t>‹#›</a:t>
             </a:fld>
             <a:endParaRPr lang="en-US"/>
@@ -1914,7 +2812,8 @@
           <a:p>
             <a:fld id="{2588FC9A-999D-4DE7-B3DC-930E14750B3E}" type="datetimeFigureOut">
               <a:rPr lang="en-US" smtClean="0"/>
-              <a:t>20/2/2011</a:t>
+              <a:pPr/>
+              <a:t>2/20/2011</a:t>
             </a:fld>
             <a:endParaRPr lang="en-US"/>
           </a:p>
@@ -1956,6 +2855,7 @@
           <a:p>
             <a:fld id="{11A2C79B-9EB2-48C6-9F54-B57BB9859A51}" type="slidenum">
               <a:rPr lang="en-US" smtClean="0"/>
+              <a:pPr/>
               <a:t>‹#›</a:t>
             </a:fld>
             <a:endParaRPr lang="en-US"/>
@@ -2175,7 +3075,8 @@
           <a:p>
             <a:fld id="{2588FC9A-999D-4DE7-B3DC-930E14750B3E}" type="datetimeFigureOut">
               <a:rPr lang="en-US" smtClean="0"/>
-              <a:t>20/2/2011</a:t>
+              <a:pPr/>
+              <a:t>2/20/2011</a:t>
             </a:fld>
             <a:endParaRPr lang="en-US"/>
           </a:p>
@@ -2217,6 +3118,7 @@
           <a:p>
             <a:fld id="{11A2C79B-9EB2-48C6-9F54-B57BB9859A51}" type="slidenum">
               <a:rPr lang="en-US" smtClean="0"/>
+              <a:pPr/>
               <a:t>‹#›</a:t>
             </a:fld>
             <a:endParaRPr lang="en-US"/>
@@ -2463,7 +3365,8 @@
           <a:p>
             <a:fld id="{2588FC9A-999D-4DE7-B3DC-930E14750B3E}" type="datetimeFigureOut">
               <a:rPr lang="en-US" smtClean="0"/>
-              <a:t>20/2/2011</a:t>
+              <a:pPr/>
+              <a:t>2/20/2011</a:t>
             </a:fld>
             <a:endParaRPr lang="en-US"/>
           </a:p>
@@ -2510,6 +3413,7 @@
           <a:p>
             <a:fld id="{11A2C79B-9EB2-48C6-9F54-B57BB9859A51}" type="slidenum">
               <a:rPr lang="en-US" smtClean="0"/>
+              <a:pPr/>
               <a:t>‹#›</a:t>
             </a:fld>
             <a:endParaRPr lang="en-US"/>
@@ -3234,7 +4138,8 @@
           <a:p>
             <a:fld id="{2588FC9A-999D-4DE7-B3DC-930E14750B3E}" type="datetimeFigureOut">
               <a:rPr lang="en-US" smtClean="0"/>
-              <a:t>20/2/2011</a:t>
+              <a:pPr/>
+              <a:t>2/20/2011</a:t>
             </a:fld>
             <a:endParaRPr lang="en-US"/>
           </a:p>
@@ -3312,6 +4217,7 @@
           <a:p>
             <a:fld id="{11A2C79B-9EB2-48C6-9F54-B57BB9859A51}" type="slidenum">
               <a:rPr lang="en-US" smtClean="0"/>
+              <a:pPr/>
               <a:t>‹#›</a:t>
             </a:fld>
             <a:endParaRPr lang="en-US"/>
@@ -3872,8 +4778,8 @@
               <a:t>Sub </a:t>
             </a:r>
             <a:r>
-              <a:rPr lang="en-US" dirty="0" err="1" smtClean="0"/>
-              <a:t>Comander</a:t>
+              <a:rPr lang="en-US" dirty="0" smtClean="0"/>
+              <a:t>Commander</a:t>
             </a:r>
             <a:endParaRPr lang="en-US" dirty="0"/>
           </a:p>
@@ -4139,13 +5045,20 @@
     </p:spTree>
     <p:extLst>
       <p:ext uri="{BB962C8B-B14F-4D97-AF65-F5344CB8AC3E}">
-        <p14:creationId xmlns:p14="http://schemas.microsoft.com/office/powerpoint/2010/main" val="102990345"/>
+        <p14:creationId xmlns:p14="http://schemas.microsoft.com/office/powerpoint/2010/main" xmlns="" val="102990345"/>
       </p:ext>
     </p:extLst>
   </p:cSld>
   <p:clrMapOvr>
     <a:masterClrMapping/>
   </p:clrMapOvr>
+  <p:timing>
+    <p:tnLst>
+      <p:par>
+        <p:cTn id="1" dur="indefinite" restart="never" nodeType="tmRoot"/>
+      </p:par>
+    </p:tnLst>
+  </p:timing>
 </p:sld>
 </file>
 
@@ -4211,7 +5124,15 @@
           <a:p>
             <a:r>
               <a:rPr lang="en-US" dirty="0" smtClean="0"/>
-              <a:t>Create an interactive experience on the desktop to be played by individuals with visual impairments</a:t>
+              <a:t>Create an interactive experience </a:t>
+            </a:r>
+            <a:r>
+              <a:rPr lang="en-US" dirty="0" smtClean="0"/>
+              <a:t>to </a:t>
+            </a:r>
+            <a:r>
+              <a:rPr lang="en-US" dirty="0" smtClean="0"/>
+              <a:t>be played by individuals with visual impairments</a:t>
             </a:r>
             <a:endParaRPr lang="en-US" dirty="0"/>
           </a:p>
@@ -4470,13 +5391,20 @@
     </p:spTree>
     <p:extLst>
       <p:ext uri="{BB962C8B-B14F-4D97-AF65-F5344CB8AC3E}">
-        <p14:creationId xmlns:p14="http://schemas.microsoft.com/office/powerpoint/2010/main" val="1536121747"/>
+        <p14:creationId xmlns:p14="http://schemas.microsoft.com/office/powerpoint/2010/main" xmlns="" val="1536121747"/>
       </p:ext>
     </p:extLst>
   </p:cSld>
   <p:clrMapOvr>
     <a:masterClrMapping/>
   </p:clrMapOvr>
+  <p:timing>
+    <p:tnLst>
+      <p:par>
+        <p:cTn id="1" dur="indefinite" restart="never" nodeType="tmRoot"/>
+      </p:par>
+    </p:tnLst>
+  </p:timing>
 </p:sld>
 </file>
 
@@ -4507,37 +5435,71 @@
             <p:ph type="title"/>
           </p:nvPr>
         </p:nvSpPr>
-        <p:spPr>
-          <a:xfrm>
-            <a:off x="457200" y="609600"/>
-            <a:ext cx="8229600" cy="1143000"/>
-          </a:xfrm>
-        </p:spPr>
+        <p:spPr/>
         <p:txBody>
           <a:bodyPr/>
           <a:lstStyle/>
           <a:p>
             <a:r>
               <a:rPr lang="en-US" dirty="0" smtClean="0"/>
-              <a:t>Brainstorming</a:t>
-            </a:r>
+              <a:t>Final Design</a:t>
+            </a:r>
+            <a:endParaRPr lang="en-US" dirty="0"/>
+          </a:p>
+        </p:txBody>
+      </p:sp>
+      <p:sp>
+        <p:nvSpPr>
+          <p:cNvPr id="3" name="Content Placeholder 2"/>
+          <p:cNvSpPr>
+            <a:spLocks noGrp="1"/>
+          </p:cNvSpPr>
+          <p:nvPr>
+            <p:ph idx="1"/>
+          </p:nvPr>
+        </p:nvSpPr>
+        <p:spPr/>
+        <p:txBody>
+          <a:bodyPr/>
+          <a:lstStyle/>
+          <a:p>
+            <a:r>
+              <a:rPr lang="en-US" dirty="0" smtClean="0"/>
+              <a:t>Feels </a:t>
+            </a:r>
+            <a:r>
+              <a:rPr lang="en-US" dirty="0"/>
+              <a:t>n</a:t>
+            </a:r>
+            <a:r>
+              <a:rPr lang="en-US" dirty="0" smtClean="0"/>
+              <a:t>atural to play a submarine game using sound</a:t>
+            </a:r>
+          </a:p>
+          <a:p>
+            <a:r>
+              <a:rPr lang="en-US" dirty="0" smtClean="0"/>
+              <a:t>Crew’s feedback aids immersion</a:t>
+            </a:r>
+          </a:p>
+          <a:p>
             <a:endParaRPr lang="en-US" dirty="0"/>
           </a:p>
         </p:txBody>
       </p:sp>
       <p:pic>
         <p:nvPicPr>
-          <p:cNvPr id="1028" name="Picture 4" descr="http://media.giantbomb.com/uploads/2/22441/813832-xboxboxart_large.jpg"/>
+          <p:cNvPr id="4" name="Picture 2"/>
           <p:cNvPicPr>
             <a:picLocks noChangeAspect="1" noChangeArrowheads="1"/>
           </p:cNvPicPr>
           <p:nvPr/>
         </p:nvPicPr>
         <p:blipFill>
-          <a:blip r:embed="rId2">
+          <a:blip r:embed="rId3" cstate="print">
             <a:extLst>
               <a:ext uri="{28A0092B-C50C-407E-A947-70E740481C1C}">
-                <a14:useLocalDpi xmlns:a14="http://schemas.microsoft.com/office/drawing/2010/main" val="0"/>
+                <a14:useLocalDpi xmlns:a14="http://schemas.microsoft.com/office/drawing/2010/main" xmlns="" val="0"/>
               </a:ext>
             </a:extLst>
           </a:blip>
@@ -4548,61 +5510,43 @@
         </p:blipFill>
         <p:spPr bwMode="auto">
           <a:xfrm>
-            <a:off x="6248400" y="1981200"/>
-            <a:ext cx="2411451" cy="3295651"/>
+            <a:off x="4343400" y="3581400"/>
+            <a:ext cx="3810000" cy="2692400"/>
           </a:xfrm>
           <a:prstGeom prst="rect">
             <a:avLst/>
           </a:prstGeom>
           <a:noFill/>
+          <a:ln>
+            <a:noFill/>
+          </a:ln>
+          <a:effectLst/>
           <a:extLst>
             <a:ext uri="{909E8E84-426E-40DD-AFC4-6F175D3DCCD1}">
-              <a14:hiddenFill xmlns:a14="http://schemas.microsoft.com/office/drawing/2010/main">
+              <a14:hiddenFill xmlns:a14="http://schemas.microsoft.com/office/drawing/2010/main" xmlns="">
                 <a:solidFill>
-                  <a:srgbClr val="FFFFFF"/>
+                  <a:schemeClr val="accent1"/>
                 </a:solidFill>
               </a14:hiddenFill>
             </a:ext>
-          </a:extLst>
-        </p:spPr>
-      </p:pic>
-      <p:pic>
-        <p:nvPicPr>
-          <p:cNvPr id="1030" name="Picture 6" descr="AudioGames Logo"/>
-          <p:cNvPicPr>
-            <a:picLocks noChangeAspect="1" noChangeArrowheads="1"/>
-          </p:cNvPicPr>
-          <p:nvPr/>
-        </p:nvPicPr>
-        <p:blipFill>
-          <a:blip r:embed="rId3">
-            <a:extLst>
-              <a:ext uri="{28A0092B-C50C-407E-A947-70E740481C1C}">
-                <a14:useLocalDpi xmlns:a14="http://schemas.microsoft.com/office/drawing/2010/main" val="0"/>
-              </a:ext>
-            </a:extLst>
-          </a:blip>
-          <a:srcRect/>
-          <a:stretch>
-            <a:fillRect/>
-          </a:stretch>
-        </p:blipFill>
-        <p:spPr bwMode="auto">
-          <a:xfrm>
-            <a:off x="457200" y="2593928"/>
-            <a:ext cx="3962400" cy="1590675"/>
-          </a:xfrm>
-          <a:prstGeom prst="rect">
-            <a:avLst/>
-          </a:prstGeom>
-          <a:noFill/>
-          <a:extLst>
-            <a:ext uri="{909E8E84-426E-40DD-AFC4-6F175D3DCCD1}">
-              <a14:hiddenFill xmlns:a14="http://schemas.microsoft.com/office/drawing/2010/main">
+            <a:ext uri="{91240B29-F687-4F45-9708-019B960494DF}">
+              <a14:hiddenLine xmlns:a14="http://schemas.microsoft.com/office/drawing/2010/main" xmlns="" w="9525">
                 <a:solidFill>
-                  <a:srgbClr val="FFFFFF"/>
+                  <a:schemeClr val="tx1"/>
                 </a:solidFill>
-              </a14:hiddenFill>
+                <a:miter lim="800000"/>
+                <a:headEnd/>
+                <a:tailEnd/>
+              </a14:hiddenLine>
+            </a:ext>
+            <a:ext uri="{AF507438-7753-43E0-B8FC-AC1667EBCBE1}">
+              <a14:hiddenEffects xmlns:a14="http://schemas.microsoft.com/office/drawing/2010/main" xmlns="">
+                <a:effectLst>
+                  <a:outerShdw dist="35921" dir="2700000" algn="ctr" rotWithShape="0">
+                    <a:schemeClr val="bg2"/>
+                  </a:outerShdw>
+                </a:effectLst>
+              </a14:hiddenEffects>
             </a:ext>
           </a:extLst>
         </p:spPr>
@@ -4610,13 +5554,20 @@
     </p:spTree>
     <p:extLst>
       <p:ext uri="{BB962C8B-B14F-4D97-AF65-F5344CB8AC3E}">
-        <p14:creationId xmlns:p14="http://schemas.microsoft.com/office/powerpoint/2010/main" val="3871020137"/>
+        <p14:creationId xmlns:p14="http://schemas.microsoft.com/office/powerpoint/2010/main" xmlns="" val="922683778"/>
       </p:ext>
     </p:extLst>
   </p:cSld>
   <p:clrMapOvr>
     <a:masterClrMapping/>
   </p:clrMapOvr>
+  <p:timing>
+    <p:tnLst>
+      <p:par>
+        <p:cTn id="1" dur="indefinite" restart="never" nodeType="tmRoot"/>
+      </p:par>
+    </p:tnLst>
+  </p:timing>
 </p:sld>
 </file>
 
@@ -4654,7 +5605,7 @@
           <a:p>
             <a:r>
               <a:rPr lang="en-US" dirty="0" smtClean="0"/>
-              <a:t>Final Design</a:t>
+              <a:t>Technical</a:t>
             </a:r>
             <a:endParaRPr lang="en-US" dirty="0"/>
           </a:p>
@@ -4677,44 +5628,46 @@
           <a:p>
             <a:r>
               <a:rPr lang="en-US" dirty="0" smtClean="0"/>
-              <a:t>Feels </a:t>
-            </a:r>
-            <a:r>
-              <a:rPr lang="en-US" dirty="0"/>
-              <a:t>n</a:t>
-            </a:r>
+              <a:t>Sonar algorithm</a:t>
+            </a:r>
+          </a:p>
+          <a:p>
             <a:r>
               <a:rPr lang="en-US" dirty="0" smtClean="0"/>
-              <a:t>atural to play a submarine game using sound</a:t>
+              <a:t>Aim assist</a:t>
             </a:r>
           </a:p>
           <a:p>
             <a:r>
               <a:rPr lang="en-US" dirty="0" smtClean="0"/>
-              <a:t>Crew’s feedback aids immersion</a:t>
-            </a:r>
-          </a:p>
-          <a:p>
+              <a:t>Calculating stereo audio</a:t>
+            </a:r>
+          </a:p>
+          <a:p>
+            <a:r>
+              <a:rPr lang="en-US" dirty="0" smtClean="0"/>
+              <a:t>Audio cueing</a:t>
+            </a:r>
+          </a:p>
+          <a:p>
+            <a:r>
+              <a:rPr lang="en-US" dirty="0" smtClean="0"/>
+              <a:t>Debugging</a:t>
+            </a:r>
             <a:endParaRPr lang="en-US" dirty="0"/>
           </a:p>
         </p:txBody>
       </p:sp>
       <p:pic>
         <p:nvPicPr>
-          <p:cNvPr id="4" name="Picture 2"/>
+          <p:cNvPr id="4" name="Picture 4" descr="http://amser.org/VocImages/image00496.jpg"/>
           <p:cNvPicPr>
             <a:picLocks noChangeAspect="1" noChangeArrowheads="1"/>
           </p:cNvPicPr>
           <p:nvPr/>
         </p:nvPicPr>
         <p:blipFill>
-          <a:blip r:embed="rId2">
-            <a:extLst>
-              <a:ext uri="{28A0092B-C50C-407E-A947-70E740481C1C}">
-                <a14:useLocalDpi xmlns:a14="http://schemas.microsoft.com/office/drawing/2010/main" val="0"/>
-              </a:ext>
-            </a:extLst>
-          </a:blip>
+          <a:blip r:embed="rId3" cstate="print"/>
           <a:srcRect/>
           <a:stretch>
             <a:fillRect/>
@@ -4722,57 +5675,27 @@
         </p:blipFill>
         <p:spPr bwMode="auto">
           <a:xfrm>
-            <a:off x="4191000" y="3937000"/>
-            <a:ext cx="3810000" cy="2692400"/>
+            <a:off x="4953000" y="2438400"/>
+            <a:ext cx="3695700" cy="3695700"/>
           </a:xfrm>
           <a:prstGeom prst="rect">
             <a:avLst/>
           </a:prstGeom>
           <a:noFill/>
-          <a:ln>
-            <a:noFill/>
-          </a:ln>
-          <a:effectLst/>
-          <a:extLst>
-            <a:ext uri="{909E8E84-426E-40DD-AFC4-6F175D3DCCD1}">
-              <a14:hiddenFill xmlns:a14="http://schemas.microsoft.com/office/drawing/2010/main">
-                <a:solidFill>
-                  <a:schemeClr val="accent1"/>
-                </a:solidFill>
-              </a14:hiddenFill>
-            </a:ext>
-            <a:ext uri="{91240B29-F687-4F45-9708-019B960494DF}">
-              <a14:hiddenLine xmlns:a14="http://schemas.microsoft.com/office/drawing/2010/main" w="9525">
-                <a:solidFill>
-                  <a:schemeClr val="tx1"/>
-                </a:solidFill>
-                <a:miter lim="800000"/>
-                <a:headEnd/>
-                <a:tailEnd/>
-              </a14:hiddenLine>
-            </a:ext>
-            <a:ext uri="{AF507438-7753-43E0-B8FC-AC1667EBCBE1}">
-              <a14:hiddenEffects xmlns:a14="http://schemas.microsoft.com/office/drawing/2010/main">
-                <a:effectLst>
-                  <a:outerShdw dist="35921" dir="2700000" algn="ctr" rotWithShape="0">
-                    <a:schemeClr val="bg2"/>
-                  </a:outerShdw>
-                </a:effectLst>
-              </a14:hiddenEffects>
-            </a:ext>
-          </a:extLst>
         </p:spPr>
       </p:pic>
     </p:spTree>
-    <p:extLst>
-      <p:ext uri="{BB962C8B-B14F-4D97-AF65-F5344CB8AC3E}">
-        <p14:creationId xmlns:p14="http://schemas.microsoft.com/office/powerpoint/2010/main" val="922683778"/>
-      </p:ext>
-    </p:extLst>
   </p:cSld>
   <p:clrMapOvr>
     <a:masterClrMapping/>
   </p:clrMapOvr>
+  <p:timing>
+    <p:tnLst>
+      <p:par>
+        <p:cTn id="1" dur="indefinite" restart="never" nodeType="tmRoot"/>
+      </p:par>
+    </p:tnLst>
+  </p:timing>
 </p:sld>
 </file>
 
@@ -4810,7 +5733,7 @@
           <a:p>
             <a:r>
               <a:rPr lang="en-US" dirty="0" smtClean="0"/>
-              <a:t>Gameplay</a:t>
+              <a:t>Sound Engine</a:t>
             </a:r>
             <a:endParaRPr lang="en-US" dirty="0"/>
           </a:p>
@@ -4832,23 +5755,44 @@
           <a:lstStyle/>
           <a:p>
             <a:r>
-              <a:rPr lang="en-US" smtClean="0"/>
-              <a:t>Sonar </a:t>
+              <a:rPr lang="en-US" dirty="0" smtClean="0"/>
+              <a:t>Dynamically load files</a:t>
+            </a:r>
+          </a:p>
+          <a:p>
+            <a:r>
+              <a:rPr lang="en-US" dirty="0" smtClean="0"/>
+              <a:t>Load sounds with different volumes in different audio channels</a:t>
+            </a:r>
+          </a:p>
+          <a:p>
+            <a:pPr lvl="1"/>
+            <a:r>
+              <a:rPr lang="en-US" dirty="0" smtClean="0"/>
+              <a:t>Dynamically change these values</a:t>
+            </a:r>
+          </a:p>
+          <a:p>
+            <a:r>
+              <a:rPr lang="en-US" dirty="0" smtClean="0"/>
+              <a:t>Dialog – queuing, passive, aggressive</a:t>
             </a:r>
             <a:endParaRPr lang="en-US" dirty="0"/>
           </a:p>
         </p:txBody>
       </p:sp>
     </p:spTree>
-    <p:extLst>
-      <p:ext uri="{BB962C8B-B14F-4D97-AF65-F5344CB8AC3E}">
-        <p14:creationId xmlns:p14="http://schemas.microsoft.com/office/powerpoint/2010/main" val="2982096066"/>
-      </p:ext>
-    </p:extLst>
   </p:cSld>
   <p:clrMapOvr>
     <a:masterClrMapping/>
   </p:clrMapOvr>
+  <p:timing>
+    <p:tnLst>
+      <p:par>
+        <p:cTn id="1" dur="indefinite" restart="never" nodeType="tmRoot"/>
+      </p:par>
+    </p:tnLst>
+  </p:timing>
 </p:sld>
 </file>
 
@@ -4884,42 +5828,27 @@
           <a:bodyPr/>
           <a:lstStyle/>
           <a:p>
-            <a:endParaRPr lang="en-US"/>
-          </a:p>
-        </p:txBody>
-      </p:sp>
-      <p:sp>
-        <p:nvSpPr>
-          <p:cNvPr id="3" name="Content Placeholder 2"/>
-          <p:cNvSpPr>
-            <a:spLocks noGrp="1"/>
-          </p:cNvSpPr>
-          <p:nvPr>
-            <p:ph idx="1"/>
-          </p:nvPr>
-        </p:nvSpPr>
-        <p:spPr/>
-        <p:txBody>
-          <a:bodyPr/>
-          <a:lstStyle/>
-          <a:p>
-            <a:endParaRPr lang="en-US"/>
+            <a:r>
+              <a:rPr lang="en-US" dirty="0" smtClean="0"/>
+              <a:t>Gameplay</a:t>
+            </a:r>
+            <a:endParaRPr lang="en-US" dirty="0"/>
           </a:p>
         </p:txBody>
       </p:sp>
       <p:pic>
         <p:nvPicPr>
-          <p:cNvPr id="4" name="Picture 2" descr="http://4gwar.files.wordpress.com/2010/01/virginia_class_submarine.jpg"/>
+          <p:cNvPr id="7" name="Picture 2" descr="http://4gwar.files.wordpress.com/2010/01/virginia_class_submarine.jpg"/>
           <p:cNvPicPr>
             <a:picLocks noChangeAspect="1" noChangeArrowheads="1"/>
           </p:cNvPicPr>
           <p:nvPr/>
         </p:nvPicPr>
         <p:blipFill>
-          <a:blip r:embed="rId2" cstate="print">
+          <a:blip r:embed="rId3" cstate="print">
             <a:extLst>
               <a:ext uri="{28A0092B-C50C-407E-A947-70E740481C1C}">
-                <a14:useLocalDpi xmlns:a14="http://schemas.microsoft.com/office/drawing/2010/main" val="0"/>
+                <a14:useLocalDpi xmlns:a14="http://schemas.microsoft.com/office/drawing/2010/main" xmlns="" val="0"/>
               </a:ext>
             </a:extLst>
           </a:blip>
@@ -4930,7 +5859,7 @@
         </p:blipFill>
         <p:spPr bwMode="auto">
           <a:xfrm>
-            <a:off x="3160993" y="2667000"/>
+            <a:off x="2057400" y="2438400"/>
             <a:ext cx="5472393" cy="3283436"/>
           </a:xfrm>
           <a:prstGeom prst="rect">
@@ -4939,7 +5868,7 @@
           <a:noFill/>
           <a:extLst>
             <a:ext uri="{909E8E84-426E-40DD-AFC4-6F175D3DCCD1}">
-              <a14:hiddenFill xmlns:a14="http://schemas.microsoft.com/office/drawing/2010/main">
+              <a14:hiddenFill xmlns:a14="http://schemas.microsoft.com/office/drawing/2010/main" xmlns="">
                 <a:solidFill>
                   <a:srgbClr val="FFFFFF"/>
                 </a:solidFill>
@@ -4951,13 +5880,20 @@
     </p:spTree>
     <p:extLst>
       <p:ext uri="{BB962C8B-B14F-4D97-AF65-F5344CB8AC3E}">
-        <p14:creationId xmlns:p14="http://schemas.microsoft.com/office/powerpoint/2010/main" val="3617057263"/>
+        <p14:creationId xmlns:p14="http://schemas.microsoft.com/office/powerpoint/2010/main" xmlns="" val="2982096066"/>
       </p:ext>
     </p:extLst>
   </p:cSld>
   <p:clrMapOvr>
     <a:masterClrMapping/>
   </p:clrMapOvr>
+  <p:timing>
+    <p:tnLst>
+      <p:par>
+        <p:cTn id="1" dur="indefinite" restart="never" nodeType="tmRoot"/>
+      </p:par>
+    </p:tnLst>
+  </p:timing>
 </p:sld>
 </file>
 
@@ -5254,4 +6190,287 @@
   <a:objectDefaults/>
   <a:extraClrSchemeLst/>
 </a:theme>
+</file>
+
+<file path=ppt/theme/theme2.xml><?xml version="1.0" encoding="utf-8"?>
+<a:theme xmlns:a="http://schemas.openxmlformats.org/drawingml/2006/main" name="Office Theme">
+  <a:themeElements>
+    <a:clrScheme name="Office">
+      <a:dk1>
+        <a:sysClr val="windowText" lastClr="000000"/>
+      </a:dk1>
+      <a:lt1>
+        <a:sysClr val="window" lastClr="FFFFFF"/>
+      </a:lt1>
+      <a:dk2>
+        <a:srgbClr val="1F497D"/>
+      </a:dk2>
+      <a:lt2>
+        <a:srgbClr val="EEECE1"/>
+      </a:lt2>
+      <a:accent1>
+        <a:srgbClr val="4F81BD"/>
+      </a:accent1>
+      <a:accent2>
+        <a:srgbClr val="C0504D"/>
+      </a:accent2>
+      <a:accent3>
+        <a:srgbClr val="9BBB59"/>
+      </a:accent3>
+      <a:accent4>
+        <a:srgbClr val="8064A2"/>
+      </a:accent4>
+      <a:accent5>
+        <a:srgbClr val="4BACC6"/>
+      </a:accent5>
+      <a:accent6>
+        <a:srgbClr val="F79646"/>
+      </a:accent6>
+      <a:hlink>
+        <a:srgbClr val="0000FF"/>
+      </a:hlink>
+      <a:folHlink>
+        <a:srgbClr val="800080"/>
+      </a:folHlink>
+    </a:clrScheme>
+    <a:fontScheme name="Office">
+      <a:majorFont>
+        <a:latin typeface="Calibri"/>
+        <a:ea typeface=""/>
+        <a:cs typeface=""/>
+        <a:font script="Jpan" typeface="ＭＳ Ｐゴシック"/>
+        <a:font script="Hang" typeface="맑은 고딕"/>
+        <a:font script="Hans" typeface="宋体"/>
+        <a:font script="Hant" typeface="新細明體"/>
+        <a:font script="Arab" typeface="Times New Roman"/>
+        <a:font script="Hebr" typeface="Times New Roman"/>
+        <a:font script="Thai" typeface="Angsana New"/>
+        <a:font script="Ethi" typeface="Nyala"/>
+        <a:font script="Beng" typeface="Vrinda"/>
+        <a:font script="Gujr" typeface="Shruti"/>
+        <a:font script="Khmr" typeface="MoolBoran"/>
+        <a:font script="Knda" typeface="Tunga"/>
+        <a:font script="Guru" typeface="Raavi"/>
+        <a:font script="Cans" typeface="Euphemia"/>
+        <a:font script="Cher" typeface="Plantagenet Cherokee"/>
+        <a:font script="Yiii" typeface="Microsoft Yi Baiti"/>
+        <a:font script="Tibt" typeface="Microsoft Himalaya"/>
+        <a:font script="Thaa" typeface="MV Boli"/>
+        <a:font script="Deva" typeface="Mangal"/>
+        <a:font script="Telu" typeface="Gautami"/>
+        <a:font script="Taml" typeface="Latha"/>
+        <a:font script="Syrc" typeface="Estrangelo Edessa"/>
+        <a:font script="Orya" typeface="Kalinga"/>
+        <a:font script="Mlym" typeface="Kartika"/>
+        <a:font script="Laoo" typeface="DokChampa"/>
+        <a:font script="Sinh" typeface="Iskoola Pota"/>
+        <a:font script="Mong" typeface="Mongolian Baiti"/>
+        <a:font script="Viet" typeface="Times New Roman"/>
+        <a:font script="Uigh" typeface="Microsoft Uighur"/>
+      </a:majorFont>
+      <a:minorFont>
+        <a:latin typeface="Calibri"/>
+        <a:ea typeface=""/>
+        <a:cs typeface=""/>
+        <a:font script="Jpan" typeface="ＭＳ Ｐゴシック"/>
+        <a:font script="Hang" typeface="맑은 고딕"/>
+        <a:font script="Hans" typeface="宋体"/>
+        <a:font script="Hant" typeface="新細明體"/>
+        <a:font script="Arab" typeface="Arial"/>
+        <a:font script="Hebr" typeface="Arial"/>
+        <a:font script="Thai" typeface="Cordia New"/>
+        <a:font script="Ethi" typeface="Nyala"/>
+        <a:font script="Beng" typeface="Vrinda"/>
+        <a:font script="Gujr" typeface="Shruti"/>
+        <a:font script="Khmr" typeface="DaunPenh"/>
+        <a:font script="Knda" typeface="Tunga"/>
+        <a:font script="Guru" typeface="Raavi"/>
+        <a:font script="Cans" typeface="Euphemia"/>
+        <a:font script="Cher" typeface="Plantagenet Cherokee"/>
+        <a:font script="Yiii" typeface="Microsoft Yi Baiti"/>
+        <a:font script="Tibt" typeface="Microsoft Himalaya"/>
+        <a:font script="Thaa" typeface="MV Boli"/>
+        <a:font script="Deva" typeface="Mangal"/>
+        <a:font script="Telu" typeface="Gautami"/>
+        <a:font script="Taml" typeface="Latha"/>
+        <a:font script="Syrc" typeface="Estrangelo Edessa"/>
+        <a:font script="Orya" typeface="Kalinga"/>
+        <a:font script="Mlym" typeface="Kartika"/>
+        <a:font script="Laoo" typeface="DokChampa"/>
+        <a:font script="Sinh" typeface="Iskoola Pota"/>
+        <a:font script="Mong" typeface="Mongolian Baiti"/>
+        <a:font script="Viet" typeface="Arial"/>
+        <a:font script="Uigh" typeface="Microsoft Uighur"/>
+      </a:minorFont>
+    </a:fontScheme>
+    <a:fmtScheme name="Office">
+      <a:fillStyleLst>
+        <a:solidFill>
+          <a:schemeClr val="phClr"/>
+        </a:solidFill>
+        <a:gradFill rotWithShape="1">
+          <a:gsLst>
+            <a:gs pos="0">
+              <a:schemeClr val="phClr">
+                <a:tint val="50000"/>
+                <a:satMod val="300000"/>
+              </a:schemeClr>
+            </a:gs>
+            <a:gs pos="35000">
+              <a:schemeClr val="phClr">
+                <a:tint val="37000"/>
+                <a:satMod val="300000"/>
+              </a:schemeClr>
+            </a:gs>
+            <a:gs pos="100000">
+              <a:schemeClr val="phClr">
+                <a:tint val="15000"/>
+                <a:satMod val="350000"/>
+              </a:schemeClr>
+            </a:gs>
+          </a:gsLst>
+          <a:lin ang="16200000" scaled="1"/>
+        </a:gradFill>
+        <a:gradFill rotWithShape="1">
+          <a:gsLst>
+            <a:gs pos="0">
+              <a:schemeClr val="phClr">
+                <a:shade val="51000"/>
+                <a:satMod val="130000"/>
+              </a:schemeClr>
+            </a:gs>
+            <a:gs pos="80000">
+              <a:schemeClr val="phClr">
+                <a:shade val="93000"/>
+                <a:satMod val="130000"/>
+              </a:schemeClr>
+            </a:gs>
+            <a:gs pos="100000">
+              <a:schemeClr val="phClr">
+                <a:shade val="94000"/>
+                <a:satMod val="135000"/>
+              </a:schemeClr>
+            </a:gs>
+          </a:gsLst>
+          <a:lin ang="16200000" scaled="0"/>
+        </a:gradFill>
+      </a:fillStyleLst>
+      <a:lnStyleLst>
+        <a:ln w="9525" cap="flat" cmpd="sng" algn="ctr">
+          <a:solidFill>
+            <a:schemeClr val="phClr">
+              <a:shade val="95000"/>
+              <a:satMod val="105000"/>
+            </a:schemeClr>
+          </a:solidFill>
+          <a:prstDash val="solid"/>
+        </a:ln>
+        <a:ln w="25400" cap="flat" cmpd="sng" algn="ctr">
+          <a:solidFill>
+            <a:schemeClr val="phClr"/>
+          </a:solidFill>
+          <a:prstDash val="solid"/>
+        </a:ln>
+        <a:ln w="38100" cap="flat" cmpd="sng" algn="ctr">
+          <a:solidFill>
+            <a:schemeClr val="phClr"/>
+          </a:solidFill>
+          <a:prstDash val="solid"/>
+        </a:ln>
+      </a:lnStyleLst>
+      <a:effectStyleLst>
+        <a:effectStyle>
+          <a:effectLst>
+            <a:outerShdw blurRad="40000" dist="20000" dir="5400000" rotWithShape="0">
+              <a:srgbClr val="000000">
+                <a:alpha val="38000"/>
+              </a:srgbClr>
+            </a:outerShdw>
+          </a:effectLst>
+        </a:effectStyle>
+        <a:effectStyle>
+          <a:effectLst>
+            <a:outerShdw blurRad="40000" dist="23000" dir="5400000" rotWithShape="0">
+              <a:srgbClr val="000000">
+                <a:alpha val="35000"/>
+              </a:srgbClr>
+            </a:outerShdw>
+          </a:effectLst>
+        </a:effectStyle>
+        <a:effectStyle>
+          <a:effectLst>
+            <a:outerShdw blurRad="40000" dist="23000" dir="5400000" rotWithShape="0">
+              <a:srgbClr val="000000">
+                <a:alpha val="35000"/>
+              </a:srgbClr>
+            </a:outerShdw>
+          </a:effectLst>
+          <a:scene3d>
+            <a:camera prst="orthographicFront">
+              <a:rot lat="0" lon="0" rev="0"/>
+            </a:camera>
+            <a:lightRig rig="threePt" dir="t">
+              <a:rot lat="0" lon="0" rev="1200000"/>
+            </a:lightRig>
+          </a:scene3d>
+          <a:sp3d>
+            <a:bevelT w="63500" h="25400"/>
+          </a:sp3d>
+        </a:effectStyle>
+      </a:effectStyleLst>
+      <a:bgFillStyleLst>
+        <a:solidFill>
+          <a:schemeClr val="phClr"/>
+        </a:solidFill>
+        <a:gradFill rotWithShape="1">
+          <a:gsLst>
+            <a:gs pos="0">
+              <a:schemeClr val="phClr">
+                <a:tint val="40000"/>
+                <a:satMod val="350000"/>
+              </a:schemeClr>
+            </a:gs>
+            <a:gs pos="40000">
+              <a:schemeClr val="phClr">
+                <a:tint val="45000"/>
+                <a:shade val="99000"/>
+                <a:satMod val="350000"/>
+              </a:schemeClr>
+            </a:gs>
+            <a:gs pos="100000">
+              <a:schemeClr val="phClr">
+                <a:shade val="20000"/>
+                <a:satMod val="255000"/>
+              </a:schemeClr>
+            </a:gs>
+          </a:gsLst>
+          <a:path path="circle">
+            <a:fillToRect l="50000" t="-80000" r="50000" b="180000"/>
+          </a:path>
+        </a:gradFill>
+        <a:gradFill rotWithShape="1">
+          <a:gsLst>
+            <a:gs pos="0">
+              <a:schemeClr val="phClr">
+                <a:tint val="80000"/>
+                <a:satMod val="300000"/>
+              </a:schemeClr>
+            </a:gs>
+            <a:gs pos="100000">
+              <a:schemeClr val="phClr">
+                <a:shade val="30000"/>
+                <a:satMod val="200000"/>
+              </a:schemeClr>
+            </a:gs>
+          </a:gsLst>
+          <a:path path="circle">
+            <a:fillToRect l="50000" t="50000" r="50000" b="50000"/>
+          </a:path>
+        </a:gradFill>
+      </a:bgFillStyleLst>
+    </a:fmtScheme>
+  </a:themeElements>
+  <a:objectDefaults/>
+  <a:extraClrSchemeLst/>
+</a:theme>
 </file>